--- a/HOML_CH7.pptx
+++ b/HOML_CH7.pptx
@@ -288,6 +288,9 @@
         </p14:section>
       </p14:sectionLst>
     </p:ext>
+    <p:ext uri="{EFAFB233-063F-42B5-8137-9DF3F51BA10A}">
+      <p15:sldGuideLst xmlns:p15="http://schemas.microsoft.com/office/powerpoint/2012/main"/>
+    </p:ext>
   </p:extLst>
 </p:presentation>
 </file>
@@ -374,7 +377,7 @@
           <a:p>
             <a:fld id="{F105CBA6-6752-4813-BAC9-2BF9D8603E9D}" type="datetimeFigureOut">
               <a:rPr lang="ko-KR" altLang="en-US" smtClean="0"/>
-              <a:t>2021-02-06</a:t>
+              <a:t>2021-02-11</a:t>
             </a:fld>
             <a:endParaRPr lang="ko-KR" altLang="en-US"/>
           </a:p>
@@ -15429,7 +15432,7 @@
           <a:p>
             <a:fld id="{FF4A86A7-5842-45B6-BD15-4E39E3318AD8}" type="datetimeFigureOut">
               <a:rPr lang="ko-KR" altLang="en-US" smtClean="0"/>
-              <a:t>2021-02-06</a:t>
+              <a:t>2021-02-11</a:t>
             </a:fld>
             <a:endParaRPr lang="ko-KR" altLang="en-US"/>
           </a:p>
@@ -32133,8 +32136,8 @@
           </a:p>
         </p:txBody>
       </p:sp>
-      <mc:AlternateContent xmlns:mc="http://schemas.openxmlformats.org/markup-compatibility/2006">
-        <mc:Choice xmlns:a14="http://schemas.microsoft.com/office/drawing/2010/main" Requires="a14">
+      <mc:AlternateContent xmlns:mc="http://schemas.openxmlformats.org/markup-compatibility/2006" xmlns:a14="http://schemas.microsoft.com/office/drawing/2010/main">
+        <mc:Choice Requires="a14">
           <p:sp>
             <p:nvSpPr>
               <p:cNvPr id="3" name="텍스트 개체 틀 2">
@@ -32256,7 +32259,7 @@
             </p:txBody>
           </p:sp>
         </mc:Choice>
-        <mc:Fallback>
+        <mc:Fallback xmlns="">
           <p:sp>
             <p:nvSpPr>
               <p:cNvPr id="3" name="텍스트 개체 틀 2">
